--- a/customer_seg_diagrams.pptx
+++ b/customer_seg_diagrams.pptx
@@ -8,6 +8,8 @@
     <p:sldId id="256" r:id="rId2"/>
     <p:sldId id="257" r:id="rId3"/>
     <p:sldId id="258" r:id="rId4"/>
+    <p:sldId id="259" r:id="rId5"/>
+    <p:sldId id="260" r:id="rId6"/>
   </p:sldIdLst>
   <p:sldSz cx="12192000" cy="6858000"/>
   <p:notesSz cx="6858000" cy="9144000"/>
@@ -106,6 +108,11 @@
       </a:defRPr>
     </a:lvl9pPr>
   </p:defaultTextStyle>
+  <p:extLst>
+    <p:ext uri="{EFAFB233-063F-42B5-8137-9DF3F51BA10A}">
+      <p15:sldGuideLst xmlns:p15="http://schemas.microsoft.com/office/powerpoint/2012/main"/>
+    </p:ext>
+  </p:extLst>
 </p:presentation>
 </file>
 
@@ -258,7 +265,7 @@
           <a:p>
             <a:fld id="{29A1F4DF-FAFD-3B43-8D81-ABA146D108D7}" type="datetimeFigureOut">
               <a:rPr lang="en-US" smtClean="0"/>
-              <a:t>4/16/25</a:t>
+              <a:t>4/17/25</a:t>
             </a:fld>
             <a:endParaRPr lang="en-US"/>
           </a:p>
@@ -458,7 +465,7 @@
           <a:p>
             <a:fld id="{29A1F4DF-FAFD-3B43-8D81-ABA146D108D7}" type="datetimeFigureOut">
               <a:rPr lang="en-US" smtClean="0"/>
-              <a:t>4/16/25</a:t>
+              <a:t>4/17/25</a:t>
             </a:fld>
             <a:endParaRPr lang="en-US"/>
           </a:p>
@@ -668,7 +675,7 @@
           <a:p>
             <a:fld id="{29A1F4DF-FAFD-3B43-8D81-ABA146D108D7}" type="datetimeFigureOut">
               <a:rPr lang="en-US" smtClean="0"/>
-              <a:t>4/16/25</a:t>
+              <a:t>4/17/25</a:t>
             </a:fld>
             <a:endParaRPr lang="en-US"/>
           </a:p>
@@ -868,7 +875,7 @@
           <a:p>
             <a:fld id="{29A1F4DF-FAFD-3B43-8D81-ABA146D108D7}" type="datetimeFigureOut">
               <a:rPr lang="en-US" smtClean="0"/>
-              <a:t>4/16/25</a:t>
+              <a:t>4/17/25</a:t>
             </a:fld>
             <a:endParaRPr lang="en-US"/>
           </a:p>
@@ -1144,7 +1151,7 @@
           <a:p>
             <a:fld id="{29A1F4DF-FAFD-3B43-8D81-ABA146D108D7}" type="datetimeFigureOut">
               <a:rPr lang="en-US" smtClean="0"/>
-              <a:t>4/16/25</a:t>
+              <a:t>4/17/25</a:t>
             </a:fld>
             <a:endParaRPr lang="en-US"/>
           </a:p>
@@ -1412,7 +1419,7 @@
           <a:p>
             <a:fld id="{29A1F4DF-FAFD-3B43-8D81-ABA146D108D7}" type="datetimeFigureOut">
               <a:rPr lang="en-US" smtClean="0"/>
-              <a:t>4/16/25</a:t>
+              <a:t>4/17/25</a:t>
             </a:fld>
             <a:endParaRPr lang="en-US"/>
           </a:p>
@@ -1827,7 +1834,7 @@
           <a:p>
             <a:fld id="{29A1F4DF-FAFD-3B43-8D81-ABA146D108D7}" type="datetimeFigureOut">
               <a:rPr lang="en-US" smtClean="0"/>
-              <a:t>4/16/25</a:t>
+              <a:t>4/17/25</a:t>
             </a:fld>
             <a:endParaRPr lang="en-US"/>
           </a:p>
@@ -1969,7 +1976,7 @@
           <a:p>
             <a:fld id="{29A1F4DF-FAFD-3B43-8D81-ABA146D108D7}" type="datetimeFigureOut">
               <a:rPr lang="en-US" smtClean="0"/>
-              <a:t>4/16/25</a:t>
+              <a:t>4/17/25</a:t>
             </a:fld>
             <a:endParaRPr lang="en-US"/>
           </a:p>
@@ -2082,7 +2089,7 @@
           <a:p>
             <a:fld id="{29A1F4DF-FAFD-3B43-8D81-ABA146D108D7}" type="datetimeFigureOut">
               <a:rPr lang="en-US" smtClean="0"/>
-              <a:t>4/16/25</a:t>
+              <a:t>4/17/25</a:t>
             </a:fld>
             <a:endParaRPr lang="en-US"/>
           </a:p>
@@ -2395,7 +2402,7 @@
           <a:p>
             <a:fld id="{29A1F4DF-FAFD-3B43-8D81-ABA146D108D7}" type="datetimeFigureOut">
               <a:rPr lang="en-US" smtClean="0"/>
-              <a:t>4/16/25</a:t>
+              <a:t>4/17/25</a:t>
             </a:fld>
             <a:endParaRPr lang="en-US"/>
           </a:p>
@@ -2684,7 +2691,7 @@
           <a:p>
             <a:fld id="{29A1F4DF-FAFD-3B43-8D81-ABA146D108D7}" type="datetimeFigureOut">
               <a:rPr lang="en-US" smtClean="0"/>
-              <a:t>4/16/25</a:t>
+              <a:t>4/17/25</a:t>
             </a:fld>
             <a:endParaRPr lang="en-US"/>
           </a:p>
@@ -2927,7 +2934,7 @@
           <a:p>
             <a:fld id="{29A1F4DF-FAFD-3B43-8D81-ABA146D108D7}" type="datetimeFigureOut">
               <a:rPr lang="en-US" smtClean="0"/>
-              <a:t>4/16/25</a:t>
+              <a:t>4/17/25</a:t>
             </a:fld>
             <a:endParaRPr lang="en-US"/>
           </a:p>
@@ -4237,60 +4244,295 @@
           <a:chExt cx="0" cy="0"/>
         </a:xfrm>
       </p:grpSpPr>
-      <p:sp>
-        <p:nvSpPr>
-          <p:cNvPr id="2" name="Title 1">
-            <a:extLst>
-              <a:ext uri="{FF2B5EF4-FFF2-40B4-BE49-F238E27FC236}">
-                <a16:creationId xmlns:a16="http://schemas.microsoft.com/office/drawing/2014/main" id="{B90B8834-8EC2-687E-E214-93A4E5AB6D09}"/>
-              </a:ext>
-            </a:extLst>
-          </p:cNvPr>
-          <p:cNvSpPr>
-            <a:spLocks noGrp="1"/>
-          </p:cNvSpPr>
-          <p:nvPr>
-            <p:ph type="title"/>
-          </p:nvPr>
-        </p:nvSpPr>
-        <p:spPr/>
-        <p:txBody>
-          <a:bodyPr/>
-          <a:lstStyle/>
-          <a:p>
-            <a:endParaRPr lang="en-US"/>
-          </a:p>
-        </p:txBody>
-      </p:sp>
-      <p:sp>
-        <p:nvSpPr>
-          <p:cNvPr id="3" name="Content Placeholder 2">
-            <a:extLst>
-              <a:ext uri="{FF2B5EF4-FFF2-40B4-BE49-F238E27FC236}">
-                <a16:creationId xmlns:a16="http://schemas.microsoft.com/office/drawing/2014/main" id="{20B9727B-AEFD-465C-BEDA-2DC87E9B24EB}"/>
-              </a:ext>
-            </a:extLst>
-          </p:cNvPr>
-          <p:cNvSpPr>
-            <a:spLocks noGrp="1"/>
-          </p:cNvSpPr>
-          <p:nvPr>
-            <p:ph idx="1"/>
-          </p:nvPr>
-        </p:nvSpPr>
-        <p:spPr/>
-        <p:txBody>
-          <a:bodyPr/>
-          <a:lstStyle/>
-          <a:p>
-            <a:endParaRPr lang="en-US"/>
-          </a:p>
-        </p:txBody>
-      </p:sp>
+      <p:grpSp>
+        <p:nvGrpSpPr>
+          <p:cNvPr id="5" name="Group 4">
+            <a:extLst>
+              <a:ext uri="{FF2B5EF4-FFF2-40B4-BE49-F238E27FC236}">
+                <a16:creationId xmlns:a16="http://schemas.microsoft.com/office/drawing/2014/main" id="{1FD983F9-7AAB-BB58-054F-ECAD9BC48D49}"/>
+              </a:ext>
+            </a:extLst>
+          </p:cNvPr>
+          <p:cNvGrpSpPr/>
+          <p:nvPr/>
+        </p:nvGrpSpPr>
+        <p:grpSpPr>
+          <a:xfrm>
+            <a:off x="509804" y="1237092"/>
+            <a:ext cx="11172392" cy="4324259"/>
+            <a:chOff x="509804" y="1237092"/>
+            <a:chExt cx="11172392" cy="4324259"/>
+          </a:xfrm>
+        </p:grpSpPr>
+        <p:pic>
+          <p:nvPicPr>
+            <p:cNvPr id="3" name="Picture 2">
+              <a:extLst>
+                <a:ext uri="{FF2B5EF4-FFF2-40B4-BE49-F238E27FC236}">
+                  <a16:creationId xmlns:a16="http://schemas.microsoft.com/office/drawing/2014/main" id="{ACA9485D-5194-148B-8F35-68DDE9B272FE}"/>
+                </a:ext>
+              </a:extLst>
+            </p:cNvPr>
+            <p:cNvPicPr>
+              <a:picLocks noChangeAspect="1"/>
+            </p:cNvPicPr>
+            <p:nvPr/>
+          </p:nvPicPr>
+          <p:blipFill>
+            <a:blip r:embed="rId2"/>
+            <a:srcRect b="9134"/>
+            <a:stretch/>
+          </p:blipFill>
+          <p:spPr>
+            <a:xfrm>
+              <a:off x="509804" y="1237092"/>
+              <a:ext cx="11172392" cy="4324259"/>
+            </a:xfrm>
+            <a:prstGeom prst="rect">
+              <a:avLst/>
+            </a:prstGeom>
+          </p:spPr>
+        </p:pic>
+        <p:sp>
+          <p:nvSpPr>
+            <p:cNvPr id="4" name="TextBox 3">
+              <a:extLst>
+                <a:ext uri="{FF2B5EF4-FFF2-40B4-BE49-F238E27FC236}">
+                  <a16:creationId xmlns:a16="http://schemas.microsoft.com/office/drawing/2014/main" id="{3A302ACF-7D11-9760-5136-C6E390F464B3}"/>
+                </a:ext>
+              </a:extLst>
+            </p:cNvPr>
+            <p:cNvSpPr txBox="1"/>
+            <p:nvPr/>
+          </p:nvSpPr>
+          <p:spPr>
+            <a:xfrm>
+              <a:off x="6555561" y="3743794"/>
+              <a:ext cx="4422098" cy="769441"/>
+            </a:xfrm>
+            <a:prstGeom prst="rect">
+              <a:avLst/>
+            </a:prstGeom>
+            <a:noFill/>
+          </p:spPr>
+          <p:txBody>
+            <a:bodyPr wrap="square" rtlCol="0">
+              <a:spAutoFit/>
+            </a:bodyPr>
+            <a:lstStyle/>
+            <a:p>
+              <a:r>
+                <a:rPr lang="en-US" sz="4400" dirty="0">
+                  <a:solidFill>
+                    <a:srgbClr val="A1734B"/>
+                  </a:solidFill>
+                  <a:latin typeface="Mystical Woods Smooth Script" panose="02000500000000000000" pitchFamily="2" charset="77"/>
+                </a:rPr>
+                <a:t>Certifications</a:t>
+              </a:r>
+            </a:p>
+          </p:txBody>
+        </p:sp>
+      </p:grpSp>
     </p:spTree>
     <p:extLst>
       <p:ext uri="{BB962C8B-B14F-4D97-AF65-F5344CB8AC3E}">
         <p14:creationId xmlns:p14="http://schemas.microsoft.com/office/powerpoint/2010/main" val="624836782"/>
+      </p:ext>
+    </p:extLst>
+  </p:cSld>
+  <p:clrMapOvr>
+    <a:masterClrMapping/>
+  </p:clrMapOvr>
+</p:sld>
+</file>
+
+<file path=ppt/slides/slide4.xml><?xml version="1.0" encoding="utf-8"?>
+<p:sld xmlns:a="http://schemas.openxmlformats.org/drawingml/2006/main" xmlns:r="http://schemas.openxmlformats.org/officeDocument/2006/relationships" xmlns:p="http://schemas.openxmlformats.org/presentationml/2006/main">
+  <p:cSld>
+    <p:spTree>
+      <p:nvGrpSpPr>
+        <p:cNvPr id="1" name=""/>
+        <p:cNvGrpSpPr/>
+        <p:nvPr/>
+      </p:nvGrpSpPr>
+      <p:grpSpPr>
+        <a:xfrm>
+          <a:off x="0" y="0"/>
+          <a:ext cx="0" cy="0"/>
+          <a:chOff x="0" y="0"/>
+          <a:chExt cx="0" cy="0"/>
+        </a:xfrm>
+      </p:grpSpPr>
+      <p:pic>
+        <p:nvPicPr>
+          <p:cNvPr id="5" name="Content Placeholder 4">
+            <a:extLst>
+              <a:ext uri="{FF2B5EF4-FFF2-40B4-BE49-F238E27FC236}">
+                <a16:creationId xmlns:a16="http://schemas.microsoft.com/office/drawing/2014/main" id="{43E1BB1D-90BD-B147-7BBD-1D0A5EF22BDC}"/>
+              </a:ext>
+            </a:extLst>
+          </p:cNvPr>
+          <p:cNvPicPr>
+            <a:picLocks noGrp="1" noChangeAspect="1"/>
+          </p:cNvPicPr>
+          <p:nvPr>
+            <p:ph idx="1"/>
+          </p:nvPr>
+        </p:nvPicPr>
+        <p:blipFill>
+          <a:blip r:embed="rId2"/>
+          <a:srcRect t="5241" b="9324"/>
+          <a:stretch/>
+        </p:blipFill>
+        <p:spPr>
+          <a:xfrm>
+            <a:off x="667466" y="1918740"/>
+            <a:ext cx="4351338" cy="3717561"/>
+          </a:xfrm>
+        </p:spPr>
+      </p:pic>
+      <p:sp>
+        <p:nvSpPr>
+          <p:cNvPr id="7" name="Rectangle 6">
+            <a:extLst>
+              <a:ext uri="{FF2B5EF4-FFF2-40B4-BE49-F238E27FC236}">
+                <a16:creationId xmlns:a16="http://schemas.microsoft.com/office/drawing/2014/main" id="{FE6E4962-0366-9985-96CA-C38B8E63D0A6}"/>
+              </a:ext>
+            </a:extLst>
+          </p:cNvPr>
+          <p:cNvSpPr/>
+          <p:nvPr/>
+        </p:nvSpPr>
+        <p:spPr>
+          <a:xfrm>
+            <a:off x="3297836" y="3582649"/>
+            <a:ext cx="794479" cy="719528"/>
+          </a:xfrm>
+          <a:prstGeom prst="rect">
+            <a:avLst/>
+          </a:prstGeom>
+          <a:solidFill>
+            <a:srgbClr val="FEF9ED"/>
+          </a:solidFill>
+          <a:ln>
+            <a:solidFill>
+              <a:srgbClr val="FEF9ED"/>
+            </a:solidFill>
+          </a:ln>
+        </p:spPr>
+        <p:style>
+          <a:lnRef idx="2">
+            <a:schemeClr val="accent1">
+              <a:shade val="15000"/>
+            </a:schemeClr>
+          </a:lnRef>
+          <a:fillRef idx="1">
+            <a:schemeClr val="accent1"/>
+          </a:fillRef>
+          <a:effectRef idx="0">
+            <a:schemeClr val="accent1"/>
+          </a:effectRef>
+          <a:fontRef idx="minor">
+            <a:schemeClr val="lt1"/>
+          </a:fontRef>
+        </p:style>
+        <p:txBody>
+          <a:bodyPr rtlCol="0" anchor="ctr"/>
+          <a:lstStyle/>
+          <a:p>
+            <a:pPr algn="ctr"/>
+            <a:endParaRPr lang="en-US"/>
+          </a:p>
+        </p:txBody>
+      </p:sp>
+    </p:spTree>
+    <p:extLst>
+      <p:ext uri="{BB962C8B-B14F-4D97-AF65-F5344CB8AC3E}">
+        <p14:creationId xmlns:p14="http://schemas.microsoft.com/office/powerpoint/2010/main" val="597940405"/>
+      </p:ext>
+    </p:extLst>
+  </p:cSld>
+  <p:clrMapOvr>
+    <a:masterClrMapping/>
+  </p:clrMapOvr>
+</p:sld>
+</file>
+
+<file path=ppt/slides/slide5.xml><?xml version="1.0" encoding="utf-8"?>
+<p:sld xmlns:a="http://schemas.openxmlformats.org/drawingml/2006/main" xmlns:r="http://schemas.openxmlformats.org/officeDocument/2006/relationships" xmlns:p="http://schemas.openxmlformats.org/presentationml/2006/main">
+  <p:cSld>
+    <p:spTree>
+      <p:nvGrpSpPr>
+        <p:cNvPr id="1" name=""/>
+        <p:cNvGrpSpPr/>
+        <p:nvPr/>
+      </p:nvGrpSpPr>
+      <p:grpSpPr>
+        <a:xfrm>
+          <a:off x="0" y="0"/>
+          <a:ext cx="0" cy="0"/>
+          <a:chOff x="0" y="0"/>
+          <a:chExt cx="0" cy="0"/>
+        </a:xfrm>
+      </p:grpSpPr>
+      <p:sp>
+        <p:nvSpPr>
+          <p:cNvPr id="2" name="Title 1">
+            <a:extLst>
+              <a:ext uri="{FF2B5EF4-FFF2-40B4-BE49-F238E27FC236}">
+                <a16:creationId xmlns:a16="http://schemas.microsoft.com/office/drawing/2014/main" id="{18A5B233-0A49-4D46-199E-473ECA5CD081}"/>
+              </a:ext>
+            </a:extLst>
+          </p:cNvPr>
+          <p:cNvSpPr>
+            <a:spLocks noGrp="1"/>
+          </p:cNvSpPr>
+          <p:nvPr>
+            <p:ph type="title"/>
+          </p:nvPr>
+        </p:nvSpPr>
+        <p:spPr/>
+        <p:txBody>
+          <a:bodyPr/>
+          <a:lstStyle/>
+          <a:p>
+            <a:endParaRPr lang="en-US"/>
+          </a:p>
+        </p:txBody>
+      </p:sp>
+      <p:pic>
+        <p:nvPicPr>
+          <p:cNvPr id="5" name="Content Placeholder 4">
+            <a:extLst>
+              <a:ext uri="{FF2B5EF4-FFF2-40B4-BE49-F238E27FC236}">
+                <a16:creationId xmlns:a16="http://schemas.microsoft.com/office/drawing/2014/main" id="{6752BB29-0E22-D9B9-7CDD-0BDE24AF7B54}"/>
+              </a:ext>
+            </a:extLst>
+          </p:cNvPr>
+          <p:cNvPicPr>
+            <a:picLocks noGrp="1" noChangeAspect="1"/>
+          </p:cNvPicPr>
+          <p:nvPr>
+            <p:ph idx="1"/>
+          </p:nvPr>
+        </p:nvPicPr>
+        <p:blipFill>
+          <a:blip r:embed="rId2"/>
+          <a:srcRect t="26711" b="16904"/>
+          <a:stretch/>
+        </p:blipFill>
+        <p:spPr>
+          <a:xfrm>
+            <a:off x="1079291" y="1687980"/>
+            <a:ext cx="9314365" cy="4804895"/>
+          </a:xfrm>
+        </p:spPr>
+      </p:pic>
+    </p:spTree>
+    <p:extLst>
+      <p:ext uri="{BB962C8B-B14F-4D97-AF65-F5344CB8AC3E}">
+        <p14:creationId xmlns:p14="http://schemas.microsoft.com/office/powerpoint/2010/main" val="1907456046"/>
       </p:ext>
     </p:extLst>
   </p:cSld>

--- a/customer_seg_diagrams.pptx
+++ b/customer_seg_diagrams.pptx
@@ -10,6 +10,7 @@
     <p:sldId id="258" r:id="rId4"/>
     <p:sldId id="259" r:id="rId5"/>
     <p:sldId id="260" r:id="rId6"/>
+    <p:sldId id="261" r:id="rId7"/>
   </p:sldIdLst>
   <p:sldSz cx="12192000" cy="6858000"/>
   <p:notesSz cx="6858000" cy="9144000"/>
@@ -265,7 +266,7 @@
           <a:p>
             <a:fld id="{29A1F4DF-FAFD-3B43-8D81-ABA146D108D7}" type="datetimeFigureOut">
               <a:rPr lang="en-US" smtClean="0"/>
-              <a:t>4/17/25</a:t>
+              <a:t>4/22/25</a:t>
             </a:fld>
             <a:endParaRPr lang="en-US"/>
           </a:p>
@@ -465,7 +466,7 @@
           <a:p>
             <a:fld id="{29A1F4DF-FAFD-3B43-8D81-ABA146D108D7}" type="datetimeFigureOut">
               <a:rPr lang="en-US" smtClean="0"/>
-              <a:t>4/17/25</a:t>
+              <a:t>4/22/25</a:t>
             </a:fld>
             <a:endParaRPr lang="en-US"/>
           </a:p>
@@ -675,7 +676,7 @@
           <a:p>
             <a:fld id="{29A1F4DF-FAFD-3B43-8D81-ABA146D108D7}" type="datetimeFigureOut">
               <a:rPr lang="en-US" smtClean="0"/>
-              <a:t>4/17/25</a:t>
+              <a:t>4/22/25</a:t>
             </a:fld>
             <a:endParaRPr lang="en-US"/>
           </a:p>
@@ -875,7 +876,7 @@
           <a:p>
             <a:fld id="{29A1F4DF-FAFD-3B43-8D81-ABA146D108D7}" type="datetimeFigureOut">
               <a:rPr lang="en-US" smtClean="0"/>
-              <a:t>4/17/25</a:t>
+              <a:t>4/22/25</a:t>
             </a:fld>
             <a:endParaRPr lang="en-US"/>
           </a:p>
@@ -1151,7 +1152,7 @@
           <a:p>
             <a:fld id="{29A1F4DF-FAFD-3B43-8D81-ABA146D108D7}" type="datetimeFigureOut">
               <a:rPr lang="en-US" smtClean="0"/>
-              <a:t>4/17/25</a:t>
+              <a:t>4/22/25</a:t>
             </a:fld>
             <a:endParaRPr lang="en-US"/>
           </a:p>
@@ -1419,7 +1420,7 @@
           <a:p>
             <a:fld id="{29A1F4DF-FAFD-3B43-8D81-ABA146D108D7}" type="datetimeFigureOut">
               <a:rPr lang="en-US" smtClean="0"/>
-              <a:t>4/17/25</a:t>
+              <a:t>4/22/25</a:t>
             </a:fld>
             <a:endParaRPr lang="en-US"/>
           </a:p>
@@ -1834,7 +1835,7 @@
           <a:p>
             <a:fld id="{29A1F4DF-FAFD-3B43-8D81-ABA146D108D7}" type="datetimeFigureOut">
               <a:rPr lang="en-US" smtClean="0"/>
-              <a:t>4/17/25</a:t>
+              <a:t>4/22/25</a:t>
             </a:fld>
             <a:endParaRPr lang="en-US"/>
           </a:p>
@@ -1976,7 +1977,7 @@
           <a:p>
             <a:fld id="{29A1F4DF-FAFD-3B43-8D81-ABA146D108D7}" type="datetimeFigureOut">
               <a:rPr lang="en-US" smtClean="0"/>
-              <a:t>4/17/25</a:t>
+              <a:t>4/22/25</a:t>
             </a:fld>
             <a:endParaRPr lang="en-US"/>
           </a:p>
@@ -2089,7 +2090,7 @@
           <a:p>
             <a:fld id="{29A1F4DF-FAFD-3B43-8D81-ABA146D108D7}" type="datetimeFigureOut">
               <a:rPr lang="en-US" smtClean="0"/>
-              <a:t>4/17/25</a:t>
+              <a:t>4/22/25</a:t>
             </a:fld>
             <a:endParaRPr lang="en-US"/>
           </a:p>
@@ -2402,7 +2403,7 @@
           <a:p>
             <a:fld id="{29A1F4DF-FAFD-3B43-8D81-ABA146D108D7}" type="datetimeFigureOut">
               <a:rPr lang="en-US" smtClean="0"/>
-              <a:t>4/17/25</a:t>
+              <a:t>4/22/25</a:t>
             </a:fld>
             <a:endParaRPr lang="en-US"/>
           </a:p>
@@ -2691,7 +2692,7 @@
           <a:p>
             <a:fld id="{29A1F4DF-FAFD-3B43-8D81-ABA146D108D7}" type="datetimeFigureOut">
               <a:rPr lang="en-US" smtClean="0"/>
-              <a:t>4/17/25</a:t>
+              <a:t>4/22/25</a:t>
             </a:fld>
             <a:endParaRPr lang="en-US"/>
           </a:p>
@@ -2934,7 +2935,7 @@
           <a:p>
             <a:fld id="{29A1F4DF-FAFD-3B43-8D81-ABA146D108D7}" type="datetimeFigureOut">
               <a:rPr lang="en-US" smtClean="0"/>
-              <a:t>4/17/25</a:t>
+              <a:t>4/22/25</a:t>
             </a:fld>
             <a:endParaRPr lang="en-US"/>
           </a:p>
@@ -4542,6 +4543,635 @@
 </p:sld>
 </file>
 
+<file path=ppt/slides/slide6.xml><?xml version="1.0" encoding="utf-8"?>
+<p:sld xmlns:a="http://schemas.openxmlformats.org/drawingml/2006/main" xmlns:r="http://schemas.openxmlformats.org/officeDocument/2006/relationships" xmlns:p="http://schemas.openxmlformats.org/presentationml/2006/main">
+  <p:cSld>
+    <p:spTree>
+      <p:nvGrpSpPr>
+        <p:cNvPr id="1" name=""/>
+        <p:cNvGrpSpPr/>
+        <p:nvPr/>
+      </p:nvGrpSpPr>
+      <p:grpSpPr>
+        <a:xfrm>
+          <a:off x="0" y="0"/>
+          <a:ext cx="0" cy="0"/>
+          <a:chOff x="0" y="0"/>
+          <a:chExt cx="0" cy="0"/>
+        </a:xfrm>
+      </p:grpSpPr>
+      <p:grpSp>
+        <p:nvGrpSpPr>
+          <p:cNvPr id="17" name="Group 16">
+            <a:extLst>
+              <a:ext uri="{FF2B5EF4-FFF2-40B4-BE49-F238E27FC236}">
+                <a16:creationId xmlns:a16="http://schemas.microsoft.com/office/drawing/2014/main" id="{14ECCC8B-58FA-EC1C-C197-3C84AFC722AD}"/>
+              </a:ext>
+            </a:extLst>
+          </p:cNvPr>
+          <p:cNvGrpSpPr/>
+          <p:nvPr/>
+        </p:nvGrpSpPr>
+        <p:grpSpPr>
+          <a:xfrm>
+            <a:off x="3798065" y="305298"/>
+            <a:ext cx="6097836" cy="5355312"/>
+            <a:chOff x="3798065" y="305298"/>
+            <a:chExt cx="6097836" cy="5355312"/>
+          </a:xfrm>
+        </p:grpSpPr>
+        <p:sp>
+          <p:nvSpPr>
+            <p:cNvPr id="5" name="TextBox 4">
+              <a:extLst>
+                <a:ext uri="{FF2B5EF4-FFF2-40B4-BE49-F238E27FC236}">
+                  <a16:creationId xmlns:a16="http://schemas.microsoft.com/office/drawing/2014/main" id="{5DA299B4-552B-1566-F39F-2D851DE59426}"/>
+                </a:ext>
+              </a:extLst>
+            </p:cNvPr>
+            <p:cNvSpPr txBox="1"/>
+            <p:nvPr/>
+          </p:nvSpPr>
+          <p:spPr>
+            <a:xfrm>
+              <a:off x="3798065" y="305298"/>
+              <a:ext cx="6097836" cy="5355312"/>
+            </a:xfrm>
+            <a:prstGeom prst="rect">
+              <a:avLst/>
+            </a:prstGeom>
+            <a:noFill/>
+            <a:ln>
+              <a:solidFill>
+                <a:schemeClr val="bg1"/>
+              </a:solidFill>
+            </a:ln>
+          </p:spPr>
+          <p:txBody>
+            <a:bodyPr wrap="square">
+              <a:spAutoFit/>
+            </a:bodyPr>
+            <a:lstStyle/>
+            <a:p>
+              <a:pPr algn="ctr">
+                <a:buNone/>
+              </a:pPr>
+              <a:r>
+                <a:rPr lang="en-AU" b="1" dirty="0"/>
+                <a:t>Data Ingestion</a:t>
+              </a:r>
+            </a:p>
+            <a:p>
+              <a:pPr algn="ctr">
+                <a:buNone/>
+              </a:pPr>
+              <a:endParaRPr lang="en-AU" dirty="0"/>
+            </a:p>
+            <a:p>
+              <a:pPr algn="ctr">
+                <a:buNone/>
+              </a:pPr>
+              <a:r>
+                <a:rPr lang="en-AU" b="1" dirty="0"/>
+                <a:t>Initial Preprocessing</a:t>
+              </a:r>
+            </a:p>
+            <a:p>
+              <a:pPr algn="ctr">
+                <a:buNone/>
+              </a:pPr>
+              <a:endParaRPr lang="en-AU" dirty="0"/>
+            </a:p>
+            <a:p>
+              <a:pPr algn="ctr">
+                <a:buNone/>
+              </a:pPr>
+              <a:r>
+                <a:rPr lang="en-AU" b="1" dirty="0"/>
+                <a:t>Missing Value Treatment</a:t>
+              </a:r>
+              <a:endParaRPr lang="en-AU" dirty="0"/>
+            </a:p>
+            <a:p>
+              <a:pPr algn="ctr">
+                <a:buNone/>
+              </a:pPr>
+              <a:endParaRPr lang="en-AU" b="1" dirty="0"/>
+            </a:p>
+            <a:p>
+              <a:pPr algn="ctr">
+                <a:buNone/>
+              </a:pPr>
+              <a:r>
+                <a:rPr lang="en-AU" b="1" dirty="0"/>
+                <a:t>Outlier Handling</a:t>
+              </a:r>
+              <a:endParaRPr lang="en-AU" dirty="0"/>
+            </a:p>
+            <a:p>
+              <a:pPr algn="ctr">
+                <a:buNone/>
+              </a:pPr>
+              <a:endParaRPr lang="en-AU" b="1" dirty="0"/>
+            </a:p>
+            <a:p>
+              <a:pPr algn="ctr">
+                <a:buNone/>
+              </a:pPr>
+              <a:r>
+                <a:rPr lang="en-AU" b="1" dirty="0"/>
+                <a:t>Feature Transformation</a:t>
+              </a:r>
+              <a:endParaRPr lang="en-AU" dirty="0"/>
+            </a:p>
+            <a:p>
+              <a:pPr algn="ctr">
+                <a:buNone/>
+              </a:pPr>
+              <a:endParaRPr lang="en-AU" b="1" dirty="0"/>
+            </a:p>
+            <a:p>
+              <a:pPr algn="ctr">
+                <a:buNone/>
+              </a:pPr>
+              <a:r>
+                <a:rPr lang="en-AU" b="1" dirty="0"/>
+                <a:t>Exploratory Data Analysis (EDA)</a:t>
+              </a:r>
+              <a:endParaRPr lang="en-AU" dirty="0"/>
+            </a:p>
+            <a:p>
+              <a:pPr algn="ctr">
+                <a:buNone/>
+              </a:pPr>
+              <a:endParaRPr lang="en-AU" b="1" dirty="0"/>
+            </a:p>
+            <a:p>
+              <a:pPr algn="ctr">
+                <a:buNone/>
+              </a:pPr>
+              <a:r>
+                <a:rPr lang="en-AU" b="1" dirty="0"/>
+                <a:t>Train-Test Split</a:t>
+              </a:r>
+              <a:endParaRPr lang="en-AU" dirty="0"/>
+            </a:p>
+            <a:p>
+              <a:pPr algn="ctr">
+                <a:buNone/>
+              </a:pPr>
+              <a:endParaRPr lang="en-AU" b="1" dirty="0"/>
+            </a:p>
+            <a:p>
+              <a:pPr algn="ctr">
+                <a:buNone/>
+              </a:pPr>
+              <a:r>
+                <a:rPr lang="en-AU" b="1" dirty="0"/>
+                <a:t>Model Building</a:t>
+              </a:r>
+              <a:endParaRPr lang="en-AU" dirty="0"/>
+            </a:p>
+            <a:p>
+              <a:pPr algn="ctr">
+                <a:buNone/>
+              </a:pPr>
+              <a:endParaRPr lang="en-AU" b="1" dirty="0"/>
+            </a:p>
+            <a:p>
+              <a:pPr algn="ctr">
+                <a:buNone/>
+              </a:pPr>
+              <a:r>
+                <a:rPr lang="en-AU" b="1" dirty="0"/>
+                <a:t>Hyperparameter Tuning</a:t>
+              </a:r>
+              <a:endParaRPr lang="en-AU" dirty="0"/>
+            </a:p>
+            <a:p>
+              <a:pPr algn="ctr"/>
+              <a:endParaRPr lang="en-AU" b="1" dirty="0"/>
+            </a:p>
+            <a:p>
+              <a:pPr algn="ctr"/>
+              <a:r>
+                <a:rPr lang="en-AU" b="1" dirty="0"/>
+                <a:t>Model Evaluation</a:t>
+              </a:r>
+              <a:endParaRPr lang="en-AU" dirty="0"/>
+            </a:p>
+          </p:txBody>
+        </p:sp>
+        <p:cxnSp>
+          <p:nvCxnSpPr>
+            <p:cNvPr id="7" name="Straight Arrow Connector 6">
+              <a:extLst>
+                <a:ext uri="{FF2B5EF4-FFF2-40B4-BE49-F238E27FC236}">
+                  <a16:creationId xmlns:a16="http://schemas.microsoft.com/office/drawing/2014/main" id="{2C459CB7-C75E-A5F0-6EDD-7FCD28B748BA}"/>
+                </a:ext>
+              </a:extLst>
+            </p:cNvPr>
+            <p:cNvCxnSpPr>
+              <a:cxnSpLocks/>
+            </p:cNvCxnSpPr>
+            <p:nvPr/>
+          </p:nvCxnSpPr>
+          <p:spPr>
+            <a:xfrm>
+              <a:off x="6861973" y="689548"/>
+              <a:ext cx="0" cy="209863"/>
+            </a:xfrm>
+            <a:prstGeom prst="straightConnector1">
+              <a:avLst/>
+            </a:prstGeom>
+            <a:ln>
+              <a:solidFill>
+                <a:schemeClr val="bg1"/>
+              </a:solidFill>
+              <a:tailEnd type="triangle"/>
+            </a:ln>
+          </p:spPr>
+          <p:style>
+            <a:lnRef idx="2">
+              <a:schemeClr val="accent1"/>
+            </a:lnRef>
+            <a:fillRef idx="0">
+              <a:schemeClr val="accent1"/>
+            </a:fillRef>
+            <a:effectRef idx="1">
+              <a:schemeClr val="accent1"/>
+            </a:effectRef>
+            <a:fontRef idx="minor">
+              <a:schemeClr val="tx1"/>
+            </a:fontRef>
+          </p:style>
+        </p:cxnSp>
+        <p:cxnSp>
+          <p:nvCxnSpPr>
+            <p:cNvPr id="9" name="Straight Arrow Connector 8">
+              <a:extLst>
+                <a:ext uri="{FF2B5EF4-FFF2-40B4-BE49-F238E27FC236}">
+                  <a16:creationId xmlns:a16="http://schemas.microsoft.com/office/drawing/2014/main" id="{28D588F1-DCCF-11CB-54B7-39E6586608AC}"/>
+                </a:ext>
+              </a:extLst>
+            </p:cNvPr>
+            <p:cNvCxnSpPr>
+              <a:cxnSpLocks/>
+            </p:cNvCxnSpPr>
+            <p:nvPr/>
+          </p:nvCxnSpPr>
+          <p:spPr>
+            <a:xfrm>
+              <a:off x="6879463" y="1216698"/>
+              <a:ext cx="0" cy="209863"/>
+            </a:xfrm>
+            <a:prstGeom prst="straightConnector1">
+              <a:avLst/>
+            </a:prstGeom>
+            <a:ln>
+              <a:solidFill>
+                <a:schemeClr val="bg1"/>
+              </a:solidFill>
+              <a:tailEnd type="triangle"/>
+            </a:ln>
+          </p:spPr>
+          <p:style>
+            <a:lnRef idx="2">
+              <a:schemeClr val="accent1"/>
+            </a:lnRef>
+            <a:fillRef idx="0">
+              <a:schemeClr val="accent1"/>
+            </a:fillRef>
+            <a:effectRef idx="1">
+              <a:schemeClr val="accent1"/>
+            </a:effectRef>
+            <a:fontRef idx="minor">
+              <a:schemeClr val="tx1"/>
+            </a:fontRef>
+          </p:style>
+        </p:cxnSp>
+        <p:cxnSp>
+          <p:nvCxnSpPr>
+            <p:cNvPr id="10" name="Straight Arrow Connector 9">
+              <a:extLst>
+                <a:ext uri="{FF2B5EF4-FFF2-40B4-BE49-F238E27FC236}">
+                  <a16:creationId xmlns:a16="http://schemas.microsoft.com/office/drawing/2014/main" id="{4EC58891-C06D-C0D1-EE89-9D1297733098}"/>
+                </a:ext>
+              </a:extLst>
+            </p:cNvPr>
+            <p:cNvCxnSpPr>
+              <a:cxnSpLocks/>
+            </p:cNvCxnSpPr>
+            <p:nvPr/>
+          </p:nvCxnSpPr>
+          <p:spPr>
+            <a:xfrm>
+              <a:off x="6879463" y="1726358"/>
+              <a:ext cx="0" cy="209863"/>
+            </a:xfrm>
+            <a:prstGeom prst="straightConnector1">
+              <a:avLst/>
+            </a:prstGeom>
+            <a:ln>
+              <a:solidFill>
+                <a:schemeClr val="bg1"/>
+              </a:solidFill>
+              <a:tailEnd type="triangle"/>
+            </a:ln>
+          </p:spPr>
+          <p:style>
+            <a:lnRef idx="2">
+              <a:schemeClr val="accent1"/>
+            </a:lnRef>
+            <a:fillRef idx="0">
+              <a:schemeClr val="accent1"/>
+            </a:fillRef>
+            <a:effectRef idx="1">
+              <a:schemeClr val="accent1"/>
+            </a:effectRef>
+            <a:fontRef idx="minor">
+              <a:schemeClr val="tx1"/>
+            </a:fontRef>
+          </p:style>
+        </p:cxnSp>
+        <p:cxnSp>
+          <p:nvCxnSpPr>
+            <p:cNvPr id="11" name="Straight Arrow Connector 10">
+              <a:extLst>
+                <a:ext uri="{FF2B5EF4-FFF2-40B4-BE49-F238E27FC236}">
+                  <a16:creationId xmlns:a16="http://schemas.microsoft.com/office/drawing/2014/main" id="{A9D58C5C-714F-E205-E4C0-D0708E4FCFC7}"/>
+                </a:ext>
+              </a:extLst>
+            </p:cNvPr>
+            <p:cNvCxnSpPr>
+              <a:cxnSpLocks/>
+            </p:cNvCxnSpPr>
+            <p:nvPr/>
+          </p:nvCxnSpPr>
+          <p:spPr>
+            <a:xfrm>
+              <a:off x="6881963" y="2298478"/>
+              <a:ext cx="0" cy="209863"/>
+            </a:xfrm>
+            <a:prstGeom prst="straightConnector1">
+              <a:avLst/>
+            </a:prstGeom>
+            <a:ln>
+              <a:solidFill>
+                <a:schemeClr val="bg1"/>
+              </a:solidFill>
+              <a:tailEnd type="triangle"/>
+            </a:ln>
+          </p:spPr>
+          <p:style>
+            <a:lnRef idx="2">
+              <a:schemeClr val="accent1"/>
+            </a:lnRef>
+            <a:fillRef idx="0">
+              <a:schemeClr val="accent1"/>
+            </a:fillRef>
+            <a:effectRef idx="1">
+              <a:schemeClr val="accent1"/>
+            </a:effectRef>
+            <a:fontRef idx="minor">
+              <a:schemeClr val="tx1"/>
+            </a:fontRef>
+          </p:style>
+        </p:cxnSp>
+        <p:cxnSp>
+          <p:nvCxnSpPr>
+            <p:cNvPr id="12" name="Straight Arrow Connector 11">
+              <a:extLst>
+                <a:ext uri="{FF2B5EF4-FFF2-40B4-BE49-F238E27FC236}">
+                  <a16:creationId xmlns:a16="http://schemas.microsoft.com/office/drawing/2014/main" id="{78B3D28C-3C6C-AB81-3E2A-E4C87D454342}"/>
+                </a:ext>
+              </a:extLst>
+            </p:cNvPr>
+            <p:cNvCxnSpPr>
+              <a:cxnSpLocks/>
+            </p:cNvCxnSpPr>
+            <p:nvPr/>
+          </p:nvCxnSpPr>
+          <p:spPr>
+            <a:xfrm>
+              <a:off x="6884463" y="2855611"/>
+              <a:ext cx="0" cy="209863"/>
+            </a:xfrm>
+            <a:prstGeom prst="straightConnector1">
+              <a:avLst/>
+            </a:prstGeom>
+            <a:ln>
+              <a:solidFill>
+                <a:schemeClr val="bg1"/>
+              </a:solidFill>
+              <a:tailEnd type="triangle"/>
+            </a:ln>
+          </p:spPr>
+          <p:style>
+            <a:lnRef idx="2">
+              <a:schemeClr val="accent1"/>
+            </a:lnRef>
+            <a:fillRef idx="0">
+              <a:schemeClr val="accent1"/>
+            </a:fillRef>
+            <a:effectRef idx="1">
+              <a:schemeClr val="accent1"/>
+            </a:effectRef>
+            <a:fontRef idx="minor">
+              <a:schemeClr val="tx1"/>
+            </a:fontRef>
+          </p:style>
+        </p:cxnSp>
+        <p:cxnSp>
+          <p:nvCxnSpPr>
+            <p:cNvPr id="13" name="Straight Arrow Connector 12">
+              <a:extLst>
+                <a:ext uri="{FF2B5EF4-FFF2-40B4-BE49-F238E27FC236}">
+                  <a16:creationId xmlns:a16="http://schemas.microsoft.com/office/drawing/2014/main" id="{BB28847D-2A9C-C4FC-E759-05BA6CBF1CF8}"/>
+                </a:ext>
+              </a:extLst>
+            </p:cNvPr>
+            <p:cNvCxnSpPr>
+              <a:cxnSpLocks/>
+            </p:cNvCxnSpPr>
+            <p:nvPr/>
+          </p:nvCxnSpPr>
+          <p:spPr>
+            <a:xfrm>
+              <a:off x="6884463" y="3395256"/>
+              <a:ext cx="0" cy="209863"/>
+            </a:xfrm>
+            <a:prstGeom prst="straightConnector1">
+              <a:avLst/>
+            </a:prstGeom>
+            <a:ln>
+              <a:solidFill>
+                <a:schemeClr val="bg1"/>
+              </a:solidFill>
+              <a:tailEnd type="triangle"/>
+            </a:ln>
+          </p:spPr>
+          <p:style>
+            <a:lnRef idx="2">
+              <a:schemeClr val="accent1"/>
+            </a:lnRef>
+            <a:fillRef idx="0">
+              <a:schemeClr val="accent1"/>
+            </a:fillRef>
+            <a:effectRef idx="1">
+              <a:schemeClr val="accent1"/>
+            </a:effectRef>
+            <a:fontRef idx="minor">
+              <a:schemeClr val="tx1"/>
+            </a:fontRef>
+          </p:style>
+        </p:cxnSp>
+        <p:cxnSp>
+          <p:nvCxnSpPr>
+            <p:cNvPr id="14" name="Straight Arrow Connector 13">
+              <a:extLst>
+                <a:ext uri="{FF2B5EF4-FFF2-40B4-BE49-F238E27FC236}">
+                  <a16:creationId xmlns:a16="http://schemas.microsoft.com/office/drawing/2014/main" id="{4E768EA8-DCEB-5B96-7B5B-4EC8F008885D}"/>
+                </a:ext>
+              </a:extLst>
+            </p:cNvPr>
+            <p:cNvCxnSpPr>
+              <a:cxnSpLocks/>
+            </p:cNvCxnSpPr>
+            <p:nvPr/>
+          </p:nvCxnSpPr>
+          <p:spPr>
+            <a:xfrm>
+              <a:off x="6886963" y="3922406"/>
+              <a:ext cx="0" cy="209863"/>
+            </a:xfrm>
+            <a:prstGeom prst="straightConnector1">
+              <a:avLst/>
+            </a:prstGeom>
+            <a:ln>
+              <a:solidFill>
+                <a:schemeClr val="bg1"/>
+              </a:solidFill>
+              <a:tailEnd type="triangle"/>
+            </a:ln>
+          </p:spPr>
+          <p:style>
+            <a:lnRef idx="2">
+              <a:schemeClr val="accent1"/>
+            </a:lnRef>
+            <a:fillRef idx="0">
+              <a:schemeClr val="accent1"/>
+            </a:fillRef>
+            <a:effectRef idx="1">
+              <a:schemeClr val="accent1"/>
+            </a:effectRef>
+            <a:fontRef idx="minor">
+              <a:schemeClr val="tx1"/>
+            </a:fontRef>
+          </p:style>
+        </p:cxnSp>
+        <p:cxnSp>
+          <p:nvCxnSpPr>
+            <p:cNvPr id="15" name="Straight Arrow Connector 14">
+              <a:extLst>
+                <a:ext uri="{FF2B5EF4-FFF2-40B4-BE49-F238E27FC236}">
+                  <a16:creationId xmlns:a16="http://schemas.microsoft.com/office/drawing/2014/main" id="{0366D94D-ADCF-F169-5B8D-B71B1D73F910}"/>
+                </a:ext>
+              </a:extLst>
+            </p:cNvPr>
+            <p:cNvCxnSpPr>
+              <a:cxnSpLocks/>
+            </p:cNvCxnSpPr>
+            <p:nvPr/>
+          </p:nvCxnSpPr>
+          <p:spPr>
+            <a:xfrm>
+              <a:off x="6889463" y="4494526"/>
+              <a:ext cx="0" cy="209863"/>
+            </a:xfrm>
+            <a:prstGeom prst="straightConnector1">
+              <a:avLst/>
+            </a:prstGeom>
+            <a:ln>
+              <a:solidFill>
+                <a:schemeClr val="bg1"/>
+              </a:solidFill>
+              <a:tailEnd type="triangle"/>
+            </a:ln>
+          </p:spPr>
+          <p:style>
+            <a:lnRef idx="2">
+              <a:schemeClr val="accent1"/>
+            </a:lnRef>
+            <a:fillRef idx="0">
+              <a:schemeClr val="accent1"/>
+            </a:fillRef>
+            <a:effectRef idx="1">
+              <a:schemeClr val="accent1"/>
+            </a:effectRef>
+            <a:fontRef idx="minor">
+              <a:schemeClr val="tx1"/>
+            </a:fontRef>
+          </p:style>
+        </p:cxnSp>
+        <p:cxnSp>
+          <p:nvCxnSpPr>
+            <p:cNvPr id="16" name="Straight Arrow Connector 15">
+              <a:extLst>
+                <a:ext uri="{FF2B5EF4-FFF2-40B4-BE49-F238E27FC236}">
+                  <a16:creationId xmlns:a16="http://schemas.microsoft.com/office/drawing/2014/main" id="{2B986919-C7FB-A228-F0CD-F737346426A5}"/>
+                </a:ext>
+              </a:extLst>
+            </p:cNvPr>
+            <p:cNvCxnSpPr>
+              <a:cxnSpLocks/>
+            </p:cNvCxnSpPr>
+            <p:nvPr/>
+          </p:nvCxnSpPr>
+          <p:spPr>
+            <a:xfrm>
+              <a:off x="6876973" y="5066646"/>
+              <a:ext cx="0" cy="209863"/>
+            </a:xfrm>
+            <a:prstGeom prst="straightConnector1">
+              <a:avLst/>
+            </a:prstGeom>
+            <a:ln>
+              <a:solidFill>
+                <a:schemeClr val="bg1"/>
+              </a:solidFill>
+              <a:tailEnd type="triangle"/>
+            </a:ln>
+          </p:spPr>
+          <p:style>
+            <a:lnRef idx="2">
+              <a:schemeClr val="accent1"/>
+            </a:lnRef>
+            <a:fillRef idx="0">
+              <a:schemeClr val="accent1"/>
+            </a:fillRef>
+            <a:effectRef idx="1">
+              <a:schemeClr val="accent1"/>
+            </a:effectRef>
+            <a:fontRef idx="minor">
+              <a:schemeClr val="tx1"/>
+            </a:fontRef>
+          </p:style>
+        </p:cxnSp>
+      </p:grpSp>
+    </p:spTree>
+    <p:extLst>
+      <p:ext uri="{BB962C8B-B14F-4D97-AF65-F5344CB8AC3E}">
+        <p14:creationId xmlns:p14="http://schemas.microsoft.com/office/powerpoint/2010/main" val="4188514597"/>
+      </p:ext>
+    </p:extLst>
+  </p:cSld>
+  <p:clrMapOvr>
+    <a:masterClrMapping/>
+  </p:clrMapOvr>
+</p:sld>
+</file>
+
 <file path=ppt/theme/theme1.xml><?xml version="1.0" encoding="utf-8"?>
 <a:theme xmlns:a="http://schemas.openxmlformats.org/drawingml/2006/main" name="Office Theme">
   <a:themeElements>
